--- a/presentation_are_you_noisy_enough.pptx
+++ b/presentation_are_you_noisy_enough.pptx
@@ -9782,6 +9782,55 @@
           </a:prstGeom>
         </p:spPr>
       </p:pic>
+      <p:sp>
+        <p:nvSpPr>
+          <p:cNvPr id="4" name="TextBox 3">
+            <a:extLst>
+              <a:ext uri="{FF2B5EF4-FFF2-40B4-BE49-F238E27FC236}">
+                <a16:creationId xmlns:a16="http://schemas.microsoft.com/office/drawing/2014/main" id="{337ACF40-E57F-BE45-9D00-2A5DD16A408E}"/>
+              </a:ext>
+            </a:extLst>
+          </p:cNvPr>
+          <p:cNvSpPr txBox="1"/>
+          <p:nvPr/>
+        </p:nvSpPr>
+        <p:spPr>
+          <a:xfrm>
+            <a:off x="3304032" y="1755648"/>
+            <a:ext cx="5455917" cy="646331"/>
+          </a:xfrm>
+          <a:prstGeom prst="rect">
+            <a:avLst/>
+          </a:prstGeom>
+          <a:noFill/>
+        </p:spPr>
+        <p:txBody>
+          <a:bodyPr wrap="square" rtlCol="0">
+            <a:spAutoFit/>
+          </a:bodyPr>
+          <a:lstStyle/>
+          <a:p>
+            <a:pPr algn="ctr"/>
+            <a:r>
+              <a:rPr lang="en-US" dirty="0">
+                <a:latin typeface="Times New Roman" panose="02020603050405020304" pitchFamily="18" charset="0"/>
+                <a:cs typeface="Times New Roman" panose="02020603050405020304" pitchFamily="18" charset="0"/>
+              </a:rPr>
+              <a:t>Logistic Regression Accuracy: 0.95</a:t>
+            </a:r>
+          </a:p>
+          <a:p>
+            <a:pPr algn="ctr"/>
+            <a:r>
+              <a:rPr lang="en-US" dirty="0">
+                <a:latin typeface="Times New Roman" panose="02020603050405020304" pitchFamily="18" charset="0"/>
+                <a:cs typeface="Times New Roman" panose="02020603050405020304" pitchFamily="18" charset="0"/>
+              </a:rPr>
+              <a:t>Random Forest Accuracy: 0.94</a:t>
+            </a:r>
+          </a:p>
+        </p:txBody>
+      </p:sp>
     </p:spTree>
     <p:extLst>
       <p:ext uri="{BB962C8B-B14F-4D97-AF65-F5344CB8AC3E}">

--- a/presentation_are_you_noisy_enough.pptx
+++ b/presentation_are_you_noisy_enough.pptx
@@ -1286,7 +1286,7 @@
               <a:latin typeface="Times New Roman" panose="02020603050405020304" pitchFamily="18" charset="0"/>
               <a:cs typeface="Times New Roman" panose="02020603050405020304" pitchFamily="18" charset="0"/>
             </a:rPr>
-            <a:t>Leakage Check</a:t>
+            <a:t>Correlation Check</a:t>
           </a:r>
         </a:p>
       </dgm:t>
@@ -2520,7 +2520,7 @@
               <a:latin typeface="Times New Roman" panose="02020603050405020304" pitchFamily="18" charset="0"/>
               <a:cs typeface="Times New Roman" panose="02020603050405020304" pitchFamily="18" charset="0"/>
             </a:rPr>
-            <a:t>Leakage Check</a:t>
+            <a:t>Correlation Check</a:t>
           </a:r>
         </a:p>
       </dsp:txBody>
@@ -7410,7 +7410,7 @@
                 <a:latin typeface="Times New Roman" panose="02020603050405020304" pitchFamily="18" charset="0"/>
                 <a:cs typeface="Times New Roman" panose="02020603050405020304" pitchFamily="18" charset="0"/>
               </a:rPr>
-              <a:t>Leakage Check</a:t>
+              <a:t>Correlation Check</a:t>
             </a:r>
           </a:p>
         </p:txBody>
@@ -8687,7 +8687,7 @@
             <p:ph idx="1"/>
             <p:extLst>
               <p:ext uri="{D42A27DB-BD31-4B8C-83A1-F6EECF244321}">
-                <p14:modId xmlns:p14="http://schemas.microsoft.com/office/powerpoint/2010/main" val="1993313916"/>
+                <p14:modId xmlns:p14="http://schemas.microsoft.com/office/powerpoint/2010/main" val="2431207397"/>
               </p:ext>
             </p:extLst>
           </p:nvPr>
